--- a/Linear search.pptx
+++ b/Linear search.pptx
@@ -16,6 +16,7 @@
     <p:sldId id="264" r:id="rId10"/>
     <p:sldId id="265" r:id="rId11"/>
     <p:sldId id="266" r:id="rId12"/>
+    <p:sldId id="267" r:id="rId13"/>
   </p:sldIdLst>
   <p:sldSz cx="9144000" cy="6858000" type="screen4x3"/>
   <p:notesSz cx="6858000" cy="9144000"/>
@@ -387,6 +388,7 @@
           <a:p>
             <a:fld id="{CA6EFD97-AF0A-48D3-93F1-B587CE7EBC47}" type="datetimeFigureOut">
               <a:rPr lang="en-US" smtClean="0"/>
+              <a:pPr/>
               <a:t>7/9/2021</a:t>
             </a:fld>
             <a:endParaRPr lang="en-US"/>
@@ -457,6 +459,7 @@
           <a:p>
             <a:fld id="{342577A2-C7E9-4335-A42B-10DAF1D3395C}" type="slidenum">
               <a:rPr lang="en-US" smtClean="0"/>
+              <a:pPr/>
               <a:t>‹#›</a:t>
             </a:fld>
             <a:endParaRPr lang="en-US"/>
@@ -586,6 +589,7 @@
           <a:p>
             <a:fld id="{CA6EFD97-AF0A-48D3-93F1-B587CE7EBC47}" type="datetimeFigureOut">
               <a:rPr lang="en-US" smtClean="0"/>
+              <a:pPr/>
               <a:t>7/9/2021</a:t>
             </a:fld>
             <a:endParaRPr lang="en-US"/>
@@ -632,6 +636,7 @@
           <a:p>
             <a:fld id="{342577A2-C7E9-4335-A42B-10DAF1D3395C}" type="slidenum">
               <a:rPr lang="en-US" smtClean="0"/>
+              <a:pPr/>
               <a:t>‹#›</a:t>
             </a:fld>
             <a:endParaRPr lang="en-US"/>
@@ -776,6 +781,7 @@
           <a:p>
             <a:fld id="{CA6EFD97-AF0A-48D3-93F1-B587CE7EBC47}" type="datetimeFigureOut">
               <a:rPr lang="en-US" smtClean="0"/>
+              <a:pPr/>
               <a:t>7/9/2021</a:t>
             </a:fld>
             <a:endParaRPr lang="en-US"/>
@@ -839,6 +845,7 @@
           <a:p>
             <a:fld id="{342577A2-C7E9-4335-A42B-10DAF1D3395C}" type="slidenum">
               <a:rPr lang="en-US" smtClean="0"/>
+              <a:pPr/>
               <a:t>‹#›</a:t>
             </a:fld>
             <a:endParaRPr lang="en-US"/>
@@ -968,6 +975,7 @@
           <a:p>
             <a:fld id="{CA6EFD97-AF0A-48D3-93F1-B587CE7EBC47}" type="datetimeFigureOut">
               <a:rPr lang="en-US" smtClean="0"/>
+              <a:pPr/>
               <a:t>7/9/2021</a:t>
             </a:fld>
             <a:endParaRPr lang="en-US"/>
@@ -1014,6 +1022,7 @@
           <a:p>
             <a:fld id="{342577A2-C7E9-4335-A42B-10DAF1D3395C}" type="slidenum">
               <a:rPr lang="en-US" smtClean="0"/>
+              <a:pPr/>
               <a:t>‹#›</a:t>
             </a:fld>
             <a:endParaRPr lang="en-US"/>
@@ -1194,6 +1203,7 @@
           <a:p>
             <a:fld id="{CA6EFD97-AF0A-48D3-93F1-B587CE7EBC47}" type="datetimeFigureOut">
               <a:rPr lang="en-US" smtClean="0"/>
+              <a:pPr/>
               <a:t>7/9/2021</a:t>
             </a:fld>
             <a:endParaRPr lang="en-US"/>
@@ -1257,6 +1267,7 @@
           <a:p>
             <a:fld id="{342577A2-C7E9-4335-A42B-10DAF1D3395C}" type="slidenum">
               <a:rPr lang="en-US" smtClean="0"/>
+              <a:pPr/>
               <a:t>‹#›</a:t>
             </a:fld>
             <a:endParaRPr lang="en-US"/>
@@ -1485,6 +1496,7 @@
           <a:p>
             <a:fld id="{CA6EFD97-AF0A-48D3-93F1-B587CE7EBC47}" type="datetimeFigureOut">
               <a:rPr lang="en-US" smtClean="0"/>
+              <a:pPr/>
               <a:t>7/9/2021</a:t>
             </a:fld>
             <a:endParaRPr lang="en-US"/>
@@ -1531,6 +1543,7 @@
           <a:p>
             <a:fld id="{342577A2-C7E9-4335-A42B-10DAF1D3395C}" type="slidenum">
               <a:rPr lang="en-US" smtClean="0"/>
+              <a:pPr/>
               <a:t>‹#›</a:t>
             </a:fld>
             <a:endParaRPr lang="en-US"/>
@@ -1916,6 +1929,7 @@
           <a:p>
             <a:fld id="{CA6EFD97-AF0A-48D3-93F1-B587CE7EBC47}" type="datetimeFigureOut">
               <a:rPr lang="en-US" smtClean="0"/>
+              <a:pPr/>
               <a:t>7/9/2021</a:t>
             </a:fld>
             <a:endParaRPr lang="en-US"/>
@@ -1962,6 +1976,7 @@
           <a:p>
             <a:fld id="{342577A2-C7E9-4335-A42B-10DAF1D3395C}" type="slidenum">
               <a:rPr lang="en-US" smtClean="0"/>
+              <a:pPr/>
               <a:t>‹#›</a:t>
             </a:fld>
             <a:endParaRPr lang="en-US"/>
@@ -2042,6 +2057,7 @@
           <a:p>
             <a:fld id="{CA6EFD97-AF0A-48D3-93F1-B587CE7EBC47}" type="datetimeFigureOut">
               <a:rPr lang="en-US" smtClean="0"/>
+              <a:pPr/>
               <a:t>7/9/2021</a:t>
             </a:fld>
             <a:endParaRPr lang="en-US"/>
@@ -2088,6 +2104,7 @@
           <a:p>
             <a:fld id="{342577A2-C7E9-4335-A42B-10DAF1D3395C}" type="slidenum">
               <a:rPr lang="en-US" smtClean="0"/>
+              <a:pPr/>
               <a:t>‹#›</a:t>
             </a:fld>
             <a:endParaRPr lang="en-US"/>
@@ -2145,6 +2162,7 @@
           <a:p>
             <a:fld id="{CA6EFD97-AF0A-48D3-93F1-B587CE7EBC47}" type="datetimeFigureOut">
               <a:rPr lang="en-US" smtClean="0"/>
+              <a:pPr/>
               <a:t>7/9/2021</a:t>
             </a:fld>
             <a:endParaRPr lang="en-US"/>
@@ -2198,6 +2216,7 @@
           <a:p>
             <a:fld id="{342577A2-C7E9-4335-A42B-10DAF1D3395C}" type="slidenum">
               <a:rPr lang="en-US" smtClean="0"/>
+              <a:pPr/>
               <a:t>‹#›</a:t>
             </a:fld>
             <a:endParaRPr lang="en-US"/>
@@ -2414,6 +2433,7 @@
           <a:p>
             <a:fld id="{CA6EFD97-AF0A-48D3-93F1-B587CE7EBC47}" type="datetimeFigureOut">
               <a:rPr lang="en-US" smtClean="0"/>
+              <a:pPr/>
               <a:t>7/9/2021</a:t>
             </a:fld>
             <a:endParaRPr lang="en-US"/>
@@ -2460,6 +2480,7 @@
           <a:p>
             <a:fld id="{342577A2-C7E9-4335-A42B-10DAF1D3395C}" type="slidenum">
               <a:rPr lang="en-US" smtClean="0"/>
+              <a:pPr/>
               <a:t>‹#›</a:t>
             </a:fld>
             <a:endParaRPr lang="en-US"/>
@@ -2778,6 +2799,7 @@
           <a:p>
             <a:fld id="{CA6EFD97-AF0A-48D3-93F1-B587CE7EBC47}" type="datetimeFigureOut">
               <a:rPr lang="en-US" smtClean="0"/>
+              <a:pPr/>
               <a:t>7/9/2021</a:t>
             </a:fld>
             <a:endParaRPr lang="en-US"/>
@@ -2824,6 +2846,7 @@
           <a:p>
             <a:fld id="{342577A2-C7E9-4335-A42B-10DAF1D3395C}" type="slidenum">
               <a:rPr lang="en-US" smtClean="0"/>
+              <a:pPr/>
               <a:t>‹#›</a:t>
             </a:fld>
             <a:endParaRPr lang="en-US"/>
@@ -3133,6 +3156,7 @@
           <a:p>
             <a:fld id="{CA6EFD97-AF0A-48D3-93F1-B587CE7EBC47}" type="datetimeFigureOut">
               <a:rPr lang="en-US" smtClean="0"/>
+              <a:pPr/>
               <a:t>7/9/2021</a:t>
             </a:fld>
             <a:endParaRPr lang="en-US"/>
@@ -3209,6 +3233,7 @@
           <a:p>
             <a:fld id="{342577A2-C7E9-4335-A42B-10DAF1D3395C}" type="slidenum">
               <a:rPr lang="en-US" smtClean="0"/>
+              <a:pPr/>
               <a:t>‹#›</a:t>
             </a:fld>
             <a:endParaRPr lang="en-US"/>
@@ -3721,21 +3746,13 @@
           <a:p>
             <a:r>
               <a:rPr lang="en-US" dirty="0" smtClean="0"/>
-              <a:t>Sorted array is not needed</a:t>
-            </a:r>
-            <a:r>
-              <a:rPr lang="en-US" dirty="0" smtClean="0"/>
-              <a:t>.</a:t>
-            </a:r>
-          </a:p>
-          <a:p>
-            <a:r>
-              <a:rPr lang="en-US" dirty="0" smtClean="0"/>
-              <a:t>Works fine for small number of elements .Search time increases with number of </a:t>
-            </a:r>
-            <a:r>
-              <a:rPr lang="en-US" dirty="0" smtClean="0"/>
-              <a:t>elements.</a:t>
+              <a:t>Sorted array is not needed.</a:t>
+            </a:r>
+          </a:p>
+          <a:p>
+            <a:r>
+              <a:rPr lang="en-US" dirty="0" smtClean="0"/>
+              <a:t>Works fine for small number of elements .Search time increases with number of elements.</a:t>
             </a:r>
           </a:p>
           <a:p>
@@ -3827,11 +3844,7 @@
             </a:pPr>
             <a:r>
               <a:rPr lang="en-US" dirty="0" smtClean="0"/>
-              <a:t>   Linear </a:t>
-            </a:r>
-            <a:r>
-              <a:rPr lang="en-US" dirty="0" smtClean="0"/>
-              <a:t>search is usually very simple to implement, and is practical when the list has only a few elements, or when performing a single search in an un-ordered list. When many values have to be searched in the same list, it often pays to pre-process the list in order to use a faster method.</a:t>
+              <a:t>   Linear search is usually very simple to implement, and is practical when the list has only a few elements, or when performing a single search in an un-ordered list. When many values have to be searched in the same list, it often pays to pre-process the list in order to use a faster method.</a:t>
             </a:r>
             <a:endParaRPr lang="en-US" dirty="0"/>
           </a:p>
@@ -3849,6 +3862,61 @@
       </p:par>
     </p:tnLst>
   </p:timing>
+</p:sld>
+</file>
+
+<file path=ppt/slides/slide12.xml><?xml version="1.0" encoding="utf-8"?>
+<p:sld xmlns:a="http://schemas.openxmlformats.org/drawingml/2006/main" xmlns:r="http://schemas.openxmlformats.org/officeDocument/2006/relationships" xmlns:p="http://schemas.openxmlformats.org/presentationml/2006/main">
+  <p:cSld>
+    <p:spTree>
+      <p:nvGrpSpPr>
+        <p:cNvPr id="1" name=""/>
+        <p:cNvGrpSpPr/>
+        <p:nvPr/>
+      </p:nvGrpSpPr>
+      <p:grpSpPr>
+        <a:xfrm>
+          <a:off x="0" y="0"/>
+          <a:ext cx="0" cy="0"/>
+          <a:chOff x="0" y="0"/>
+          <a:chExt cx="0" cy="0"/>
+        </a:xfrm>
+      </p:grpSpPr>
+      <p:sp>
+        <p:nvSpPr>
+          <p:cNvPr id="4" name="Title 3"/>
+          <p:cNvSpPr>
+            <a:spLocks noGrp="1"/>
+          </p:cNvSpPr>
+          <p:nvPr>
+            <p:ph type="title"/>
+          </p:nvPr>
+        </p:nvSpPr>
+        <p:spPr>
+          <a:xfrm>
+            <a:off x="533400" y="3276600"/>
+            <a:ext cx="7242048" cy="1143000"/>
+          </a:xfrm>
+        </p:spPr>
+        <p:txBody>
+          <a:bodyPr>
+            <a:normAutofit/>
+          </a:bodyPr>
+          <a:lstStyle/>
+          <a:p>
+            <a:r>
+              <a:rPr lang="en-US" sz="6000" dirty="0" smtClean="0"/>
+              <a:t>     Thank you</a:t>
+            </a:r>
+            <a:endParaRPr lang="en-US" sz="6000" dirty="0"/>
+          </a:p>
+        </p:txBody>
+      </p:sp>
+    </p:spTree>
+  </p:cSld>
+  <p:clrMapOvr>
+    <a:masterClrMapping/>
+  </p:clrMapOvr>
 </p:sld>
 </file>
 
@@ -3886,11 +3954,7 @@
           <a:p>
             <a:r>
               <a:rPr lang="en-US" dirty="0" smtClean="0"/>
-              <a:t>           What </a:t>
-            </a:r>
-            <a:r>
-              <a:rPr lang="en-US" dirty="0" smtClean="0"/>
-              <a:t>is Search ?</a:t>
+              <a:t>           What is Search ?</a:t>
             </a:r>
             <a:endParaRPr lang="en-US" dirty="0"/>
           </a:p>
@@ -3918,21 +3982,13 @@
           <a:p>
             <a:r>
               <a:rPr lang="en-US" dirty="0" smtClean="0"/>
-              <a:t>The definition of a search is the process of looking for something or </a:t>
-            </a:r>
-            <a:r>
-              <a:rPr lang="en-US" dirty="0" smtClean="0"/>
-              <a:t>someone.</a:t>
-            </a:r>
-          </a:p>
-          <a:p>
-            <a:r>
-              <a:rPr lang="en-US" dirty="0" smtClean="0"/>
-              <a:t>Example : An example of a search is a quest to find a missing </a:t>
-            </a:r>
-            <a:r>
-              <a:rPr lang="en-US" dirty="0" smtClean="0"/>
-              <a:t>person.</a:t>
+              <a:t>The definition of a search is the process of looking for something or someone.</a:t>
+            </a:r>
+          </a:p>
+          <a:p>
+            <a:r>
+              <a:rPr lang="en-US" dirty="0" smtClean="0"/>
+              <a:t>Example : An example of a search is a quest to find a missing person.</a:t>
             </a:r>
             <a:endParaRPr lang="en-US" dirty="0"/>
           </a:p>
@@ -3987,11 +4043,7 @@
           <a:p>
             <a:r>
               <a:rPr lang="en-US" dirty="0" smtClean="0"/>
-              <a:t>             Linear </a:t>
-            </a:r>
-            <a:r>
-              <a:rPr lang="en-US" dirty="0" smtClean="0"/>
-              <a:t>Search </a:t>
+              <a:t>             Linear Search </a:t>
             </a:r>
             <a:endParaRPr lang="en-US" dirty="0"/>
           </a:p>
@@ -4022,11 +4074,7 @@
             </a:pPr>
             <a:r>
               <a:rPr lang="en-US" dirty="0" smtClean="0"/>
-              <a:t>   Algorithm </a:t>
-            </a:r>
-            <a:r>
-              <a:rPr lang="en-US" dirty="0" smtClean="0"/>
-              <a:t>involves checking all the elements of the array(or any other structure) one by one and in sequence until the desired result is found.</a:t>
+              <a:t>   Algorithm involves checking all the elements of the array(or any other structure) one by one and in sequence until the desired result is found.</a:t>
             </a:r>
             <a:endParaRPr lang="en-US" dirty="0"/>
           </a:p>
@@ -4081,11 +4129,7 @@
           <a:p>
             <a:r>
               <a:rPr lang="en-US" dirty="0" smtClean="0"/>
-              <a:t>      Linear </a:t>
-            </a:r>
-            <a:r>
-              <a:rPr lang="en-US" dirty="0" smtClean="0"/>
-              <a:t>Search Example </a:t>
+              <a:t>      Linear Search Example </a:t>
             </a:r>
             <a:endParaRPr lang="en-US" dirty="0"/>
           </a:p>
@@ -4115,7 +4159,6 @@
               <a:rPr lang="en-US" dirty="0" smtClean="0"/>
               <a:t>If you are asked to find the name of the person having phone number say “1234” with the help of a telephone directory . </a:t>
             </a:r>
-            <a:endParaRPr lang="en-US" dirty="0" smtClean="0"/>
           </a:p>
           <a:p>
             <a:r>
@@ -4218,13 +4261,8 @@
             </a:pPr>
             <a:r>
               <a:rPr lang="en-US" dirty="0" smtClean="0"/>
-              <a:t>   For </a:t>
-            </a:r>
-            <a:r>
-              <a:rPr lang="en-US" dirty="0" smtClean="0"/>
-              <a:t>all elements </a:t>
-            </a:r>
-            <a:endParaRPr lang="en-US" dirty="0" smtClean="0"/>
+              <a:t>   For all elements </a:t>
+            </a:r>
           </a:p>
           <a:p>
             <a:pPr>
@@ -4238,13 +4276,8 @@
             </a:pPr>
             <a:r>
               <a:rPr lang="en-US" dirty="0" smtClean="0"/>
-              <a:t>   Check if </a:t>
-            </a:r>
-            <a:r>
-              <a:rPr lang="en-US" dirty="0" smtClean="0"/>
-              <a:t>it is equal to element being searched for. </a:t>
-            </a:r>
-            <a:endParaRPr lang="en-US" dirty="0" smtClean="0"/>
+              <a:t>   Check if it is equal to element being searched for. </a:t>
+            </a:r>
           </a:p>
           <a:p>
             <a:pPr>
@@ -4252,11 +4285,7 @@
             </a:pPr>
             <a:r>
               <a:rPr lang="en-US" dirty="0" smtClean="0"/>
-              <a:t> </a:t>
-            </a:r>
-            <a:r>
-              <a:rPr lang="en-US" dirty="0" smtClean="0"/>
-              <a:t>  </a:t>
+              <a:t>   </a:t>
             </a:r>
           </a:p>
           <a:p>
@@ -4265,15 +4294,7 @@
             </a:pPr>
             <a:r>
               <a:rPr lang="en-US" dirty="0" smtClean="0"/>
-              <a:t> </a:t>
-            </a:r>
-            <a:r>
-              <a:rPr lang="en-US" dirty="0" smtClean="0"/>
-              <a:t>  If </a:t>
-            </a:r>
-            <a:r>
-              <a:rPr lang="en-US" dirty="0" smtClean="0"/>
-              <a:t>it is ,return its position. else continue.</a:t>
+              <a:t>   If it is ,return its position. else continue.</a:t>
             </a:r>
             <a:endParaRPr lang="en-US" dirty="0"/>
           </a:p>
@@ -4380,11 +4401,7 @@
             </a:r>
             <a:r>
               <a:rPr lang="en-US" dirty="0" smtClean="0"/>
-              <a:t> key</a:t>
-            </a:r>
-            <a:r>
-              <a:rPr lang="en-US" dirty="0" smtClean="0"/>
-              <a:t>)</a:t>
+              <a:t> key)</a:t>
             </a:r>
           </a:p>
           <a:p>
@@ -4402,11 +4419,7 @@
             </a:pPr>
             <a:r>
               <a:rPr lang="en-US" dirty="0" smtClean="0"/>
-              <a:t> </a:t>
-            </a:r>
-            <a:r>
-              <a:rPr lang="en-US" dirty="0" smtClean="0"/>
-              <a:t>  for(</a:t>
+              <a:t>   for(</a:t>
             </a:r>
             <a:r>
               <a:rPr lang="en-US" dirty="0" err="1" smtClean="0"/>
@@ -4422,11 +4435,7 @@
             </a:r>
             <a:r>
               <a:rPr lang="en-US" dirty="0" smtClean="0"/>
-              <a:t>=0;i&lt;=n-1;i</a:t>
-            </a:r>
-            <a:r>
-              <a:rPr lang="en-US" dirty="0" smtClean="0"/>
-              <a:t>++) </a:t>
+              <a:t>=0;i&lt;=n-1;i++) </a:t>
             </a:r>
           </a:p>
           <a:p>
@@ -4435,11 +4444,7 @@
             </a:pPr>
             <a:r>
               <a:rPr lang="en-US" dirty="0" smtClean="0"/>
-              <a:t> </a:t>
-            </a:r>
-            <a:r>
-              <a:rPr lang="en-US" dirty="0" smtClean="0"/>
-              <a:t>  { </a:t>
+              <a:t>   { </a:t>
             </a:r>
           </a:p>
           <a:p>
@@ -4448,11 +4453,7 @@
             </a:pPr>
             <a:r>
               <a:rPr lang="en-US" dirty="0" smtClean="0"/>
-              <a:t> </a:t>
-            </a:r>
-            <a:r>
-              <a:rPr lang="en-US" dirty="0" smtClean="0"/>
-              <a:t>  if(data[</a:t>
+              <a:t>   if(data[</a:t>
             </a:r>
             <a:r>
               <a:rPr lang="en-US" dirty="0" err="1" smtClean="0"/>
@@ -4462,7 +4463,6 @@
               <a:rPr lang="en-US" dirty="0" smtClean="0"/>
               <a:t>]==key) </a:t>
             </a:r>
-            <a:endParaRPr lang="en-US" dirty="0" smtClean="0"/>
           </a:p>
           <a:p>
             <a:pPr>
@@ -4470,11 +4470,7 @@
             </a:pPr>
             <a:r>
               <a:rPr lang="en-US" dirty="0" smtClean="0"/>
-              <a:t> </a:t>
-            </a:r>
-            <a:r>
-              <a:rPr lang="en-US" dirty="0" smtClean="0"/>
-              <a:t>  {  </a:t>
+              <a:t>   {  </a:t>
             </a:r>
           </a:p>
           <a:p>
@@ -4483,11 +4479,7 @@
             </a:pPr>
             <a:r>
               <a:rPr lang="en-US" dirty="0" smtClean="0"/>
-              <a:t> </a:t>
-            </a:r>
-            <a:r>
-              <a:rPr lang="en-US" dirty="0" smtClean="0"/>
-              <a:t>  </a:t>
+              <a:t>   </a:t>
             </a:r>
             <a:r>
               <a:rPr lang="en-US" dirty="0" err="1" smtClean="0"/>
@@ -4503,11 +4495,7 @@
             </a:r>
             <a:r>
               <a:rPr lang="en-US" dirty="0" smtClean="0"/>
-              <a:t>&lt;&lt;" of the array</a:t>
-            </a:r>
-            <a:r>
-              <a:rPr lang="en-US" dirty="0" smtClean="0"/>
-              <a:t>"&lt;&lt;</a:t>
+              <a:t>&lt;&lt;" of the array"&lt;&lt;</a:t>
             </a:r>
             <a:r>
               <a:rPr lang="en-US" dirty="0" err="1" smtClean="0"/>
@@ -4524,11 +4512,7 @@
             </a:pPr>
             <a:r>
               <a:rPr lang="en-US" dirty="0" smtClean="0"/>
-              <a:t> </a:t>
-            </a:r>
-            <a:r>
-              <a:rPr lang="en-US" dirty="0" smtClean="0"/>
-              <a:t>  }</a:t>
+              <a:t>   }</a:t>
             </a:r>
           </a:p>
           <a:p>
@@ -4545,11 +4529,7 @@
             </a:r>
             <a:r>
               <a:rPr lang="en-US" dirty="0" smtClean="0"/>
-              <a:t>==n-1</a:t>
-            </a:r>
-            <a:r>
-              <a:rPr lang="en-US" dirty="0" smtClean="0"/>
-              <a:t>)</a:t>
+              <a:t>==n-1)</a:t>
             </a:r>
           </a:p>
           <a:p>
@@ -4558,11 +4538,7 @@
             </a:pPr>
             <a:r>
               <a:rPr lang="en-US" dirty="0" smtClean="0"/>
-              <a:t>  </a:t>
-            </a:r>
-            <a:r>
-              <a:rPr lang="en-US" dirty="0" smtClean="0"/>
-              <a:t>  </a:t>
+              <a:t>    </a:t>
             </a:r>
             <a:r>
               <a:rPr lang="en-US" dirty="0" err="1" smtClean="0"/>
@@ -4572,7 +4548,6 @@
               <a:rPr lang="en-US" dirty="0" smtClean="0"/>
               <a:t>&lt;&lt;"\n Element not found \n"; </a:t>
             </a:r>
-            <a:endParaRPr lang="en-US" dirty="0" smtClean="0"/>
           </a:p>
           <a:p>
             <a:pPr>
@@ -4580,11 +4555,7 @@
             </a:pPr>
             <a:r>
               <a:rPr lang="en-US" dirty="0" smtClean="0"/>
-              <a:t> </a:t>
-            </a:r>
-            <a:r>
-              <a:rPr lang="en-US" dirty="0" smtClean="0"/>
-              <a:t>  }</a:t>
+              <a:t>   }</a:t>
             </a:r>
           </a:p>
           <a:p>
@@ -4680,7 +4651,6 @@
               <a:rPr lang="en-US" dirty="0" smtClean="0"/>
               <a:t>void List::find() </a:t>
             </a:r>
-            <a:endParaRPr lang="en-US" dirty="0" smtClean="0"/>
           </a:p>
           <a:p>
             <a:pPr>
@@ -4690,7 +4660,6 @@
               <a:rPr lang="en-US" dirty="0" smtClean="0"/>
               <a:t>{ </a:t>
             </a:r>
-            <a:endParaRPr lang="en-US" dirty="0" smtClean="0"/>
           </a:p>
           <a:p>
             <a:pPr>
@@ -4702,15 +4671,7 @@
             </a:r>
             <a:r>
               <a:rPr lang="en-US" dirty="0" smtClean="0"/>
-              <a:t> </a:t>
-            </a:r>
-            <a:r>
-              <a:rPr lang="en-US" dirty="0" smtClean="0"/>
-              <a:t>n, count = 0; </a:t>
-            </a:r>
-            <a:r>
-              <a:rPr lang="en-US" dirty="0" smtClean="0"/>
-              <a:t> </a:t>
+              <a:t> n, count = 0;  </a:t>
             </a:r>
           </a:p>
           <a:p>
@@ -4745,11 +4706,7 @@
             </a:pPr>
             <a:r>
               <a:rPr lang="en-US" dirty="0" smtClean="0"/>
-              <a:t>Node </a:t>
-            </a:r>
-            <a:r>
-              <a:rPr lang="en-US" dirty="0" smtClean="0"/>
-              <a:t>*</a:t>
+              <a:t>Node *</a:t>
             </a:r>
             <a:r>
               <a:rPr lang="en-US" dirty="0" err="1" smtClean="0"/>
@@ -4766,11 +4723,7 @@
             </a:pPr>
             <a:r>
               <a:rPr lang="en-US" dirty="0" smtClean="0"/>
-              <a:t>while </a:t>
-            </a:r>
-            <a:r>
-              <a:rPr lang="en-US" dirty="0" smtClean="0"/>
-              <a:t>( </a:t>
+              <a:t>while ( </a:t>
             </a:r>
             <a:r>
               <a:rPr lang="en-US" dirty="0" err="1" smtClean="0"/>
@@ -4796,11 +4749,7 @@
             </a:pPr>
             <a:r>
               <a:rPr lang="en-US" dirty="0" smtClean="0"/>
-              <a:t>count </a:t>
-            </a:r>
-            <a:r>
-              <a:rPr lang="en-US" dirty="0" smtClean="0"/>
-              <a:t>= count + 1; </a:t>
+              <a:t>count = count + 1; </a:t>
             </a:r>
           </a:p>
           <a:p>
@@ -4809,11 +4758,7 @@
             </a:pPr>
             <a:r>
               <a:rPr lang="en-US" dirty="0" smtClean="0"/>
-              <a:t>if</a:t>
-            </a:r>
-            <a:r>
-              <a:rPr lang="en-US" dirty="0" smtClean="0"/>
-              <a:t>( n == </a:t>
+              <a:t>if( n == </a:t>
             </a:r>
             <a:r>
               <a:rPr lang="en-US" dirty="0" err="1" smtClean="0"/>
@@ -4843,11 +4788,7 @@
             </a:r>
             <a:r>
               <a:rPr lang="en-US" dirty="0" smtClean="0"/>
-              <a:t>&lt;&lt;"The data found on node number "&lt;&lt; count </a:t>
-            </a:r>
-            <a:r>
-              <a:rPr lang="en-US" dirty="0" smtClean="0"/>
-              <a:t>&lt;</a:t>
+              <a:t>&lt;&lt;"The data found on node number "&lt;&lt; count &lt;</a:t>
             </a:r>
             <a:r>
               <a:rPr lang="en-US" dirty="0" err="1" smtClean="0"/>
@@ -4886,11 +4827,7 @@
             </a:r>
             <a:r>
               <a:rPr lang="en-US" dirty="0" smtClean="0"/>
-              <a:t> </a:t>
-            </a:r>
-            <a:r>
-              <a:rPr lang="en-US" dirty="0" smtClean="0"/>
-              <a:t>= </a:t>
+              <a:t> = </a:t>
             </a:r>
             <a:r>
               <a:rPr lang="en-US" dirty="0" err="1" smtClean="0"/>
@@ -4996,62 +4933,25 @@
           <a:p>
             <a:r>
               <a:rPr lang="en-US" dirty="0" smtClean="0"/>
-              <a:t>If the first number in the directory is the number you were searching for ,then lucky you</a:t>
-            </a:r>
-            <a:r>
-              <a:rPr lang="en-US" dirty="0" smtClean="0"/>
-              <a:t>!!</a:t>
-            </a:r>
-          </a:p>
-          <a:p>
-            <a:r>
-              <a:rPr lang="en-US" dirty="0" smtClean="0"/>
-              <a:t>Since </a:t>
-            </a:r>
-            <a:r>
-              <a:rPr lang="en-US" dirty="0" smtClean="0"/>
-              <a:t>you have found it on the very first </a:t>
-            </a:r>
-            <a:r>
-              <a:rPr lang="en-US" dirty="0" smtClean="0"/>
-              <a:t>page , now </a:t>
-            </a:r>
-            <a:r>
-              <a:rPr lang="en-US" dirty="0" smtClean="0"/>
-              <a:t>its not important for you that how many pages are there in the directory. </a:t>
-            </a:r>
-            <a:endParaRPr lang="en-US" dirty="0" smtClean="0"/>
-          </a:p>
-          <a:p>
-            <a:r>
-              <a:rPr lang="en-US" dirty="0" smtClean="0"/>
-              <a:t>Whether </a:t>
-            </a:r>
-            <a:r>
-              <a:rPr lang="en-US" dirty="0" smtClean="0"/>
-              <a:t>if it is of 1000 pages or 2000 pages it will take u same time to find you the number ,if it is at the very beginning </a:t>
-            </a:r>
-            <a:r>
-              <a:rPr lang="en-US" dirty="0" smtClean="0"/>
-              <a:t>.</a:t>
-            </a:r>
-          </a:p>
-          <a:p>
-            <a:r>
-              <a:rPr lang="en-US" dirty="0" smtClean="0"/>
-              <a:t>So </a:t>
-            </a:r>
-            <a:r>
-              <a:rPr lang="en-US" dirty="0" smtClean="0"/>
-              <a:t>it does not depends on no. on elements in the </a:t>
-            </a:r>
-            <a:r>
-              <a:rPr lang="en-US" dirty="0" smtClean="0"/>
-              <a:t>directory . Hence </a:t>
-            </a:r>
-            <a:r>
-              <a:rPr lang="en-US" dirty="0" smtClean="0"/>
-              <a:t>constant time .</a:t>
+              <a:t>If the first number in the directory is the number you were searching for ,then lucky you!!</a:t>
+            </a:r>
+          </a:p>
+          <a:p>
+            <a:r>
+              <a:rPr lang="en-US" dirty="0" smtClean="0"/>
+              <a:t>Since you have found it on the very first page , now its not important for you that how many pages are there in the directory. </a:t>
+            </a:r>
+          </a:p>
+          <a:p>
+            <a:r>
+              <a:rPr lang="en-US" dirty="0" smtClean="0"/>
+              <a:t>Whether if it is of 1000 pages or 2000 pages it will take u same time to find you the number ,if it is at the very beginning .</a:t>
+            </a:r>
+          </a:p>
+          <a:p>
+            <a:r>
+              <a:rPr lang="en-US" dirty="0" smtClean="0"/>
+              <a:t>So it does not depends on no. on elements in the directory . Hence constant time .</a:t>
             </a:r>
             <a:endParaRPr lang="en-US" dirty="0"/>
           </a:p>
@@ -5131,21 +5031,13 @@
           <a:p>
             <a:r>
               <a:rPr lang="en-US" dirty="0" smtClean="0"/>
-              <a:t>It may happen that the number you are searching for is the last number of directory or if it is not in the directory at all</a:t>
-            </a:r>
-            <a:r>
-              <a:rPr lang="en-US" dirty="0" smtClean="0"/>
-              <a:t>.</a:t>
-            </a:r>
-          </a:p>
-          <a:p>
-            <a:r>
-              <a:rPr lang="en-US" dirty="0" smtClean="0"/>
-              <a:t>In that case you have to search the whole directory</a:t>
-            </a:r>
-            <a:r>
-              <a:rPr lang="en-US" dirty="0" smtClean="0"/>
-              <a:t>.</a:t>
+              <a:t>It may happen that the number you are searching for is the last number of directory or if it is not in the directory at all.</a:t>
+            </a:r>
+          </a:p>
+          <a:p>
+            <a:r>
+              <a:rPr lang="en-US" dirty="0" smtClean="0"/>
+              <a:t>In that case you have to search the whole directory.</a:t>
             </a:r>
           </a:p>
           <a:p>
@@ -5159,11 +5051,7 @@
             </a:r>
             <a:r>
               <a:rPr lang="en-US" dirty="0" smtClean="0"/>
-              <a:t> there are 500 pages ,you have to search 500;if it has 1000 you have to search 1000</a:t>
-            </a:r>
-            <a:r>
-              <a:rPr lang="en-US" dirty="0" smtClean="0"/>
-              <a:t>.</a:t>
+              <a:t> there are 500 pages ,you have to search 500;if it has 1000 you have to search 1000.</a:t>
             </a:r>
           </a:p>
           <a:p>
